--- a/ppt/ai_ppt.pptx
+++ b/ppt/ai_ppt.pptx
@@ -6465,6 +6465,7 @@
           <a:bodyPr/>
           <a:lstStyle/>
           <a:p>
+            <a:pPr algn="ctr"/>
             <a:r>
               <a:rPr lang="en-US" dirty="0" err="1" smtClean="0"/>
               <a:t>Apstraktna</a:t>
@@ -6477,7 +6478,26 @@
               <a:rPr lang="en-US" dirty="0" err="1" smtClean="0"/>
               <a:t>interpretacija</a:t>
             </a:r>
-            <a:endParaRPr lang="en-US" dirty="0"/>
+            <a:r>
+              <a:rPr lang="en-US" dirty="0" smtClean="0"/>
+              <a:t/>
+            </a:r>
+            <a:br>
+              <a:rPr lang="en-US" dirty="0" smtClean="0"/>
+            </a:br>
+            <a:r>
+              <a:rPr lang="en-US" sz="2400" dirty="0" err="1" smtClean="0"/>
+              <a:t>cpp</a:t>
+            </a:r>
+            <a:r>
+              <a:rPr lang="en-US" sz="2400" dirty="0" smtClean="0"/>
+              <a:t> + Python + clang + </a:t>
+            </a:r>
+            <a:r>
+              <a:rPr lang="en-US" sz="2400" dirty="0" err="1" smtClean="0"/>
+              <a:t>llvm</a:t>
+            </a:r>
+            <a:endParaRPr lang="en-US" sz="2400" dirty="0"/>
           </a:p>
         </p:txBody>
       </p:sp>
